--- a/naanmudhalvan.pptx
+++ b/naanmudhalvan.pptx
@@ -3445,621 +3445,6 @@
       </p:sp>
       <p:sp>
         <p:nvSpPr>
-          <p:cNvPr id="8" name="object 8"/>
-          <p:cNvSpPr txBox="1"/>
-          <p:nvPr/>
-        </p:nvSpPr>
-        <p:spPr>
-          <a:xfrm>
-            <a:off x="683259" y="6111875"/>
-            <a:ext cx="1230630" cy="335280"/>
-          </a:xfrm>
-          <a:prstGeom prst="rect">
-            <a:avLst/>
-          </a:prstGeom>
-        </p:spPr>
-        <p:txBody>
-          <a:bodyPr vert="horz" wrap="square" lIns="0" tIns="16510" rIns="0" bIns="0" rtlCol="0">
-            <a:spAutoFit/>
-          </a:bodyPr>
-          <a:lstStyle/>
-          <a:p>
-            <a:pPr marL="12700">
-              <a:lnSpc>
-                <a:spcPct val="100000"/>
-              </a:lnSpc>
-              <a:spcBef>
-                <a:spcPts val="130"/>
-              </a:spcBef>
-            </a:pPr>
-            <a:r>
-              <a:rPr sz="2000" u="heavy" spc="20" dirty="0">
-                <a:solidFill>
-                  <a:srgbClr val="006FC0"/>
-                </a:solidFill>
-                <a:uFill>
-                  <a:solidFill>
-                    <a:srgbClr val="006FC0"/>
-                  </a:solidFill>
-                </a:uFill>
-                <a:latin typeface="Trebuchet MS"/>
-                <a:cs typeface="Trebuchet MS"/>
-              </a:rPr>
-              <a:t>Demo</a:t>
-            </a:r>
-            <a:r>
-              <a:rPr sz="2000" u="heavy" spc="-130" dirty="0">
-                <a:solidFill>
-                  <a:srgbClr val="006FC0"/>
-                </a:solidFill>
-                <a:uFill>
-                  <a:solidFill>
-                    <a:srgbClr val="006FC0"/>
-                  </a:solidFill>
-                </a:uFill>
-                <a:latin typeface="Trebuchet MS"/>
-                <a:cs typeface="Trebuchet MS"/>
-              </a:rPr>
-              <a:t> </a:t>
-            </a:r>
-            <a:r>
-              <a:rPr sz="2000" u="heavy" spc="25" dirty="0">
-                <a:solidFill>
-                  <a:srgbClr val="006FC0"/>
-                </a:solidFill>
-                <a:uFill>
-                  <a:solidFill>
-                    <a:srgbClr val="006FC0"/>
-                  </a:solidFill>
-                </a:uFill>
-                <a:latin typeface="Trebuchet MS"/>
-                <a:cs typeface="Trebuchet MS"/>
-              </a:rPr>
-              <a:t>Link</a:t>
-            </a:r>
-            <a:endParaRPr sz="2000">
-              <a:latin typeface="Trebuchet MS"/>
-              <a:cs typeface="Trebuchet MS"/>
-            </a:endParaRPr>
-          </a:p>
-        </p:txBody>
-      </p:sp>
-      <p:sp>
-        <p:nvSpPr>
-          <p:cNvPr id="10" name="Rectangle 1">
-            <a:extLst>
-              <a:ext uri="{FF2B5EF4-FFF2-40B4-BE49-F238E27FC236}">
-                <a16:creationId xmlns:a16="http://schemas.microsoft.com/office/drawing/2014/main" id="{B8B1CB9D-D4A1-60CE-3CC0-D4FD84495B3B}"/>
-              </a:ext>
-            </a:extLst>
-          </p:cNvPr>
-          <p:cNvSpPr>
-            <a:spLocks noChangeArrowheads="1"/>
-          </p:cNvSpPr>
-          <p:nvPr/>
-        </p:nvSpPr>
-        <p:spPr bwMode="auto">
-          <a:xfrm>
-            <a:off x="683259" y="1143634"/>
-            <a:ext cx="10415270" cy="4919810"/>
-          </a:xfrm>
-          <a:prstGeom prst="rect">
-            <a:avLst/>
-          </a:prstGeom>
-          <a:noFill/>
-          <a:ln>
-            <a:noFill/>
-          </a:ln>
-          <a:effectLst/>
-          <a:extLst>
-            <a:ext uri="{909E8E84-426E-40DD-AFC4-6F175D3DCCD1}">
-              <a14:hiddenFill xmlns:a14="http://schemas.microsoft.com/office/drawing/2010/main">
-                <a:solidFill>
-                  <a:schemeClr val="accent1"/>
-                </a:solidFill>
-              </a14:hiddenFill>
-            </a:ext>
-            <a:ext uri="{91240B29-F687-4F45-9708-019B960494DF}">
-              <a14:hiddenLine xmlns:a14="http://schemas.microsoft.com/office/drawing/2010/main" w="9525">
-                <a:solidFill>
-                  <a:schemeClr val="tx1"/>
-                </a:solidFill>
-                <a:miter lim="800000"/>
-                <a:headEnd/>
-                <a:tailEnd/>
-              </a14:hiddenLine>
-            </a:ext>
-            <a:ext uri="{AF507438-7753-43E0-B8FC-AC1667EBCBE1}">
-              <a14:hiddenEffects xmlns:a14="http://schemas.microsoft.com/office/drawing/2010/main">
-                <a:effectLst>
-                  <a:outerShdw dist="35921" dir="2700000" algn="ctr" rotWithShape="0">
-                    <a:schemeClr val="bg2"/>
-                  </a:outerShdw>
-                </a:effectLst>
-              </a14:hiddenEffects>
-            </a:ext>
-          </a:extLst>
-        </p:spPr>
-        <p:txBody>
-          <a:bodyPr vert="horz" wrap="square" lIns="0" tIns="198375" rIns="0" bIns="198375" numCol="1" anchor="ctr" anchorCtr="0" compatLnSpc="1">
-            <a:prstTxWarp prst="textNoShape">
-              <a:avLst/>
-            </a:prstTxWarp>
-            <a:spAutoFit/>
-          </a:bodyPr>
-          <a:lstStyle/>
-          <a:p>
-            <a:pPr marL="0" marR="0" lvl="0" indent="0" algn="l" defTabSz="914400" rtl="0" eaLnBrk="0" fontAlgn="base" latinLnBrk="0" hangingPunct="0">
-              <a:lnSpc>
-                <a:spcPct val="150000"/>
-              </a:lnSpc>
-              <a:spcBef>
-                <a:spcPct val="0"/>
-              </a:spcBef>
-              <a:spcAft>
-                <a:spcPct val="0"/>
-              </a:spcAft>
-              <a:buClrTx/>
-              <a:buSzTx/>
-              <a:buFontTx/>
-              <a:buNone/>
-              <a:tabLst/>
-            </a:pPr>
-            <a:endParaRPr kumimoji="0" lang="en-US" altLang="en-US" sz="1800" b="0" i="0" u="none" strike="noStrike" cap="none" normalizeH="0" baseline="0" dirty="0">
-              <a:ln>
-                <a:noFill/>
-              </a:ln>
-              <a:solidFill>
-                <a:schemeClr val="tx1"/>
-              </a:solidFill>
-              <a:effectLst/>
-              <a:latin typeface="Arial" panose="020B0604020202020204" pitchFamily="34" charset="0"/>
-            </a:endParaRPr>
-          </a:p>
-          <a:p>
-            <a:pPr marL="0" marR="0" lvl="0" indent="0" algn="l" defTabSz="914400" rtl="0" eaLnBrk="0" fontAlgn="base" latinLnBrk="0" hangingPunct="0">
-              <a:lnSpc>
-                <a:spcPct val="150000"/>
-              </a:lnSpc>
-              <a:spcBef>
-                <a:spcPct val="0"/>
-              </a:spcBef>
-              <a:spcAft>
-                <a:spcPct val="0"/>
-              </a:spcAft>
-              <a:buClrTx/>
-              <a:buSzTx/>
-              <a:buFontTx/>
-              <a:buChar char="•"/>
-              <a:tabLst/>
-            </a:pPr>
-            <a:r>
-              <a:rPr kumimoji="0" lang="en-US" altLang="en-US" sz="1800" b="1" i="0" u="none" strike="noStrike" cap="none" normalizeH="0" baseline="0" dirty="0">
-                <a:ln>
-                  <a:noFill/>
-                </a:ln>
-                <a:solidFill>
-                  <a:schemeClr val="tx1"/>
-                </a:solidFill>
-                <a:effectLst/>
-                <a:latin typeface="Arial" panose="020B0604020202020204" pitchFamily="34" charset="0"/>
-              </a:rPr>
-              <a:t>User Engagement:</a:t>
-            </a:r>
-            <a:r>
-              <a:rPr kumimoji="0" lang="en-US" altLang="en-US" sz="1800" b="0" i="0" u="none" strike="noStrike" cap="none" normalizeH="0" baseline="0" dirty="0">
-                <a:ln>
-                  <a:noFill/>
-                </a:ln>
-                <a:solidFill>
-                  <a:schemeClr val="tx1"/>
-                </a:solidFill>
-                <a:effectLst/>
-                <a:latin typeface="Arial" panose="020B0604020202020204" pitchFamily="34" charset="0"/>
-              </a:rPr>
-              <a:t> High levels of user interaction and engagement with </a:t>
-            </a:r>
-            <a:r>
-              <a:rPr kumimoji="0" lang="en-US" altLang="en-US" sz="1800" b="0" i="0" u="none" strike="noStrike" cap="none" normalizeH="0" baseline="0" dirty="0" err="1">
-                <a:ln>
-                  <a:noFill/>
-                </a:ln>
-                <a:solidFill>
-                  <a:schemeClr val="tx1"/>
-                </a:solidFill>
-                <a:effectLst/>
-                <a:latin typeface="Arial" panose="020B0604020202020204" pitchFamily="34" charset="0"/>
-              </a:rPr>
-              <a:t>MindWell</a:t>
-            </a:r>
-            <a:r>
-              <a:rPr kumimoji="0" lang="en-US" altLang="en-US" sz="1800" b="0" i="0" u="none" strike="noStrike" cap="none" normalizeH="0" baseline="0" dirty="0">
-                <a:ln>
-                  <a:noFill/>
-                </a:ln>
-                <a:solidFill>
-                  <a:schemeClr val="tx1"/>
-                </a:solidFill>
-                <a:effectLst/>
-                <a:latin typeface="Arial" panose="020B0604020202020204" pitchFamily="34" charset="0"/>
-              </a:rPr>
-              <a:t>.</a:t>
-            </a:r>
-          </a:p>
-          <a:p>
-            <a:pPr marL="0" marR="0" lvl="0" indent="0" algn="l" defTabSz="914400" rtl="0" eaLnBrk="0" fontAlgn="base" latinLnBrk="0" hangingPunct="0">
-              <a:lnSpc>
-                <a:spcPct val="150000"/>
-              </a:lnSpc>
-              <a:spcBef>
-                <a:spcPct val="0"/>
-              </a:spcBef>
-              <a:spcAft>
-                <a:spcPct val="0"/>
-              </a:spcAft>
-              <a:buClrTx/>
-              <a:buSzTx/>
-              <a:buFontTx/>
-              <a:buChar char="•"/>
-              <a:tabLst/>
-            </a:pPr>
-            <a:r>
-              <a:rPr kumimoji="0" lang="en-US" altLang="en-US" sz="1800" b="1" i="0" u="none" strike="noStrike" cap="none" normalizeH="0" baseline="0" dirty="0">
-                <a:ln>
-                  <a:noFill/>
-                </a:ln>
-                <a:solidFill>
-                  <a:schemeClr val="tx1"/>
-                </a:solidFill>
-                <a:effectLst/>
-                <a:latin typeface="Arial" panose="020B0604020202020204" pitchFamily="34" charset="0"/>
-              </a:rPr>
-              <a:t>Positive Feedback:</a:t>
-            </a:r>
-            <a:r>
-              <a:rPr kumimoji="0" lang="en-US" altLang="en-US" sz="1800" b="0" i="0" u="none" strike="noStrike" cap="none" normalizeH="0" baseline="0" dirty="0">
-                <a:ln>
-                  <a:noFill/>
-                </a:ln>
-                <a:solidFill>
-                  <a:schemeClr val="tx1"/>
-                </a:solidFill>
-                <a:effectLst/>
-                <a:latin typeface="Arial" panose="020B0604020202020204" pitchFamily="34" charset="0"/>
-              </a:rPr>
-              <a:t> Users report satisfaction with personalized support and resources.</a:t>
-            </a:r>
-          </a:p>
-          <a:p>
-            <a:pPr marL="0" marR="0" lvl="0" indent="0" algn="l" defTabSz="914400" rtl="0" eaLnBrk="0" fontAlgn="base" latinLnBrk="0" hangingPunct="0">
-              <a:lnSpc>
-                <a:spcPct val="150000"/>
-              </a:lnSpc>
-              <a:spcBef>
-                <a:spcPct val="0"/>
-              </a:spcBef>
-              <a:spcAft>
-                <a:spcPct val="0"/>
-              </a:spcAft>
-              <a:buClrTx/>
-              <a:buSzTx/>
-              <a:buFontTx/>
-              <a:buChar char="•"/>
-              <a:tabLst/>
-            </a:pPr>
-            <a:r>
-              <a:rPr kumimoji="0" lang="en-US" altLang="en-US" sz="1800" b="1" i="0" u="none" strike="noStrike" cap="none" normalizeH="0" baseline="0" dirty="0">
-                <a:ln>
-                  <a:noFill/>
-                </a:ln>
-                <a:solidFill>
-                  <a:schemeClr val="tx1"/>
-                </a:solidFill>
-                <a:effectLst/>
-                <a:latin typeface="Arial" panose="020B0604020202020204" pitchFamily="34" charset="0"/>
-              </a:rPr>
-              <a:t>Improved Well-being:</a:t>
-            </a:r>
-            <a:r>
-              <a:rPr kumimoji="0" lang="en-US" altLang="en-US" sz="1800" b="0" i="0" u="none" strike="noStrike" cap="none" normalizeH="0" baseline="0" dirty="0">
-                <a:ln>
-                  <a:noFill/>
-                </a:ln>
-                <a:solidFill>
-                  <a:schemeClr val="tx1"/>
-                </a:solidFill>
-                <a:effectLst/>
-                <a:latin typeface="Arial" panose="020B0604020202020204" pitchFamily="34" charset="0"/>
-              </a:rPr>
-              <a:t> Many users report a positive impact on mental well-being and coping abilities.</a:t>
-            </a:r>
-          </a:p>
-          <a:p>
-            <a:pPr marL="0" marR="0" lvl="0" indent="0" algn="l" defTabSz="914400" rtl="0" eaLnBrk="0" fontAlgn="base" latinLnBrk="0" hangingPunct="0">
-              <a:lnSpc>
-                <a:spcPct val="150000"/>
-              </a:lnSpc>
-              <a:spcBef>
-                <a:spcPct val="0"/>
-              </a:spcBef>
-              <a:spcAft>
-                <a:spcPct val="0"/>
-              </a:spcAft>
-              <a:buClrTx/>
-              <a:buSzTx/>
-              <a:buFontTx/>
-              <a:buChar char="•"/>
-              <a:tabLst/>
-            </a:pPr>
-            <a:r>
-              <a:rPr kumimoji="0" lang="en-US" altLang="en-US" sz="1800" b="1" i="0" u="none" strike="noStrike" cap="none" normalizeH="0" baseline="0" dirty="0">
-                <a:ln>
-                  <a:noFill/>
-                </a:ln>
-                <a:solidFill>
-                  <a:schemeClr val="tx1"/>
-                </a:solidFill>
-                <a:effectLst/>
-                <a:latin typeface="Arial" panose="020B0604020202020204" pitchFamily="34" charset="0"/>
-              </a:rPr>
-              <a:t>Usage Metrics:</a:t>
-            </a:r>
-            <a:r>
-              <a:rPr kumimoji="0" lang="en-US" altLang="en-US" sz="1800" b="0" i="0" u="none" strike="noStrike" cap="none" normalizeH="0" baseline="0" dirty="0">
-                <a:ln>
-                  <a:noFill/>
-                </a:ln>
-                <a:solidFill>
-                  <a:schemeClr val="tx1"/>
-                </a:solidFill>
-                <a:effectLst/>
-                <a:latin typeface="Arial" panose="020B0604020202020204" pitchFamily="34" charset="0"/>
-              </a:rPr>
-              <a:t> Metrics indicate frequent and sustained usage of </a:t>
-            </a:r>
-            <a:r>
-              <a:rPr kumimoji="0" lang="en-US" altLang="en-US" sz="1800" b="0" i="0" u="none" strike="noStrike" cap="none" normalizeH="0" baseline="0" dirty="0" err="1">
-                <a:ln>
-                  <a:noFill/>
-                </a:ln>
-                <a:solidFill>
-                  <a:schemeClr val="tx1"/>
-                </a:solidFill>
-                <a:effectLst/>
-                <a:latin typeface="Arial" panose="020B0604020202020204" pitchFamily="34" charset="0"/>
-              </a:rPr>
-              <a:t>MindWell</a:t>
-            </a:r>
-            <a:r>
-              <a:rPr kumimoji="0" lang="en-US" altLang="en-US" sz="1800" b="0" i="0" u="none" strike="noStrike" cap="none" normalizeH="0" baseline="0" dirty="0">
-                <a:ln>
-                  <a:noFill/>
-                </a:ln>
-                <a:solidFill>
-                  <a:schemeClr val="tx1"/>
-                </a:solidFill>
-                <a:effectLst/>
-                <a:latin typeface="Arial" panose="020B0604020202020204" pitchFamily="34" charset="0"/>
-              </a:rPr>
-              <a:t> over time.</a:t>
-            </a:r>
-          </a:p>
-          <a:p>
-            <a:pPr marL="0" marR="0" lvl="0" indent="0" algn="l" defTabSz="914400" rtl="0" eaLnBrk="0" fontAlgn="base" latinLnBrk="0" hangingPunct="0">
-              <a:lnSpc>
-                <a:spcPct val="150000"/>
-              </a:lnSpc>
-              <a:spcBef>
-                <a:spcPct val="0"/>
-              </a:spcBef>
-              <a:spcAft>
-                <a:spcPct val="0"/>
-              </a:spcAft>
-              <a:buClrTx/>
-              <a:buSzTx/>
-              <a:buFontTx/>
-              <a:buChar char="•"/>
-              <a:tabLst/>
-            </a:pPr>
-            <a:r>
-              <a:rPr kumimoji="0" lang="en-US" altLang="en-US" sz="1800" b="1" i="0" u="none" strike="noStrike" cap="none" normalizeH="0" baseline="0" dirty="0">
-                <a:ln>
-                  <a:noFill/>
-                </a:ln>
-                <a:solidFill>
-                  <a:schemeClr val="tx1"/>
-                </a:solidFill>
-                <a:effectLst/>
-                <a:latin typeface="Arial" panose="020B0604020202020204" pitchFamily="34" charset="0"/>
-              </a:rPr>
-              <a:t>User Retention:</a:t>
-            </a:r>
-            <a:r>
-              <a:rPr kumimoji="0" lang="en-US" altLang="en-US" sz="1800" b="0" i="0" u="none" strike="noStrike" cap="none" normalizeH="0" baseline="0" dirty="0">
-                <a:ln>
-                  <a:noFill/>
-                </a:ln>
-                <a:solidFill>
-                  <a:schemeClr val="tx1"/>
-                </a:solidFill>
-                <a:effectLst/>
-                <a:latin typeface="Arial" panose="020B0604020202020204" pitchFamily="34" charset="0"/>
-              </a:rPr>
-              <a:t> High user retention rates and positive sentiment towards the chatbot.</a:t>
-            </a:r>
-          </a:p>
-          <a:p>
-            <a:pPr marL="0" marR="0" lvl="0" indent="0" algn="l" defTabSz="914400" rtl="0" eaLnBrk="0" fontAlgn="base" latinLnBrk="0" hangingPunct="0">
-              <a:lnSpc>
-                <a:spcPct val="150000"/>
-              </a:lnSpc>
-              <a:spcBef>
-                <a:spcPct val="0"/>
-              </a:spcBef>
-              <a:spcAft>
-                <a:spcPct val="0"/>
-              </a:spcAft>
-              <a:buClrTx/>
-              <a:buSzTx/>
-              <a:buFontTx/>
-              <a:buChar char="•"/>
-              <a:tabLst/>
-            </a:pPr>
-            <a:r>
-              <a:rPr kumimoji="0" lang="en-US" altLang="en-US" sz="1800" b="1" i="0" u="none" strike="noStrike" cap="none" normalizeH="0" baseline="0" dirty="0">
-                <a:ln>
-                  <a:noFill/>
-                </a:ln>
-                <a:solidFill>
-                  <a:schemeClr val="tx1"/>
-                </a:solidFill>
-                <a:effectLst/>
-                <a:latin typeface="Arial" panose="020B0604020202020204" pitchFamily="34" charset="0"/>
-              </a:rPr>
-              <a:t>Impact Assessment:</a:t>
-            </a:r>
-            <a:r>
-              <a:rPr kumimoji="0" lang="en-US" altLang="en-US" sz="1800" b="0" i="0" u="none" strike="noStrike" cap="none" normalizeH="0" baseline="0" dirty="0">
-                <a:ln>
-                  <a:noFill/>
-                </a:ln>
-                <a:solidFill>
-                  <a:schemeClr val="tx1"/>
-                </a:solidFill>
-                <a:effectLst/>
-                <a:latin typeface="Arial" panose="020B0604020202020204" pitchFamily="34" charset="0"/>
-              </a:rPr>
-              <a:t> Surveys and feedback mechanisms show the tangible impact of </a:t>
-            </a:r>
-            <a:r>
-              <a:rPr kumimoji="0" lang="en-US" altLang="en-US" sz="1800" b="0" i="0" u="none" strike="noStrike" cap="none" normalizeH="0" baseline="0" dirty="0" err="1">
-                <a:ln>
-                  <a:noFill/>
-                </a:ln>
-                <a:solidFill>
-                  <a:schemeClr val="tx1"/>
-                </a:solidFill>
-                <a:effectLst/>
-                <a:latin typeface="Arial" panose="020B0604020202020204" pitchFamily="34" charset="0"/>
-              </a:rPr>
-              <a:t>MindWell</a:t>
-            </a:r>
-            <a:r>
-              <a:rPr kumimoji="0" lang="en-US" altLang="en-US" sz="1800" b="0" i="0" u="none" strike="noStrike" cap="none" normalizeH="0" baseline="0" dirty="0">
-                <a:ln>
-                  <a:noFill/>
-                </a:ln>
-                <a:solidFill>
-                  <a:schemeClr val="tx1"/>
-                </a:solidFill>
-                <a:effectLst/>
-                <a:latin typeface="Arial" panose="020B0604020202020204" pitchFamily="34" charset="0"/>
-              </a:rPr>
-              <a:t> on users' lives.</a:t>
-            </a:r>
-          </a:p>
-          <a:p>
-            <a:pPr marL="0" marR="0" lvl="0" indent="0" algn="l" defTabSz="914400" rtl="0" eaLnBrk="0" fontAlgn="base" latinLnBrk="0" hangingPunct="0">
-              <a:lnSpc>
-                <a:spcPct val="150000"/>
-              </a:lnSpc>
-              <a:spcBef>
-                <a:spcPct val="0"/>
-              </a:spcBef>
-              <a:spcAft>
-                <a:spcPct val="0"/>
-              </a:spcAft>
-              <a:buClrTx/>
-              <a:buSzTx/>
-              <a:buFontTx/>
-              <a:buChar char="•"/>
-              <a:tabLst/>
-            </a:pPr>
-            <a:r>
-              <a:rPr kumimoji="0" lang="en-US" altLang="en-US" sz="1800" b="1" i="0" u="none" strike="noStrike" cap="none" normalizeH="0" baseline="0" dirty="0">
-                <a:ln>
-                  <a:noFill/>
-                </a:ln>
-                <a:solidFill>
-                  <a:schemeClr val="tx1"/>
-                </a:solidFill>
-                <a:effectLst/>
-                <a:latin typeface="Arial" panose="020B0604020202020204" pitchFamily="34" charset="0"/>
-              </a:rPr>
-              <a:t>Future Growth:</a:t>
-            </a:r>
-            <a:r>
-              <a:rPr kumimoji="0" lang="en-US" altLang="en-US" sz="1800" b="0" i="0" u="none" strike="noStrike" cap="none" normalizeH="0" baseline="0" dirty="0">
-                <a:ln>
-                  <a:noFill/>
-                </a:ln>
-                <a:solidFill>
-                  <a:schemeClr val="tx1"/>
-                </a:solidFill>
-                <a:effectLst/>
-                <a:latin typeface="Arial" panose="020B0604020202020204" pitchFamily="34" charset="0"/>
-              </a:rPr>
-              <a:t> Results indicate potential for scalability and expansion of </a:t>
-            </a:r>
-            <a:r>
-              <a:rPr kumimoji="0" lang="en-US" altLang="en-US" sz="1800" b="0" i="0" u="none" strike="noStrike" cap="none" normalizeH="0" baseline="0" dirty="0" err="1">
-                <a:ln>
-                  <a:noFill/>
-                </a:ln>
-                <a:solidFill>
-                  <a:schemeClr val="tx1"/>
-                </a:solidFill>
-                <a:effectLst/>
-                <a:latin typeface="Arial" panose="020B0604020202020204" pitchFamily="34" charset="0"/>
-              </a:rPr>
-              <a:t>MindWell's</a:t>
-            </a:r>
-            <a:r>
-              <a:rPr kumimoji="0" lang="en-US" altLang="en-US" sz="1800" b="0" i="0" u="none" strike="noStrike" cap="none" normalizeH="0" baseline="0" dirty="0">
-                <a:ln>
-                  <a:noFill/>
-                </a:ln>
-                <a:solidFill>
-                  <a:schemeClr val="tx1"/>
-                </a:solidFill>
-                <a:effectLst/>
-                <a:latin typeface="Arial" panose="020B0604020202020204" pitchFamily="34" charset="0"/>
-              </a:rPr>
-              <a:t> reach and impact.</a:t>
-            </a:r>
-          </a:p>
-          <a:p>
-            <a:pPr marL="0" marR="0" lvl="0" indent="0" algn="l" defTabSz="914400" rtl="0" eaLnBrk="0" fontAlgn="base" latinLnBrk="0" hangingPunct="0">
-              <a:lnSpc>
-                <a:spcPct val="150000"/>
-              </a:lnSpc>
-              <a:spcBef>
-                <a:spcPct val="0"/>
-              </a:spcBef>
-              <a:spcAft>
-                <a:spcPct val="0"/>
-              </a:spcAft>
-              <a:buClrTx/>
-              <a:buSzTx/>
-              <a:buFontTx/>
-              <a:buNone/>
-              <a:tabLst/>
-            </a:pPr>
-            <a:endParaRPr kumimoji="0" lang="en-US" altLang="en-US" sz="1800" b="0" i="0" u="none" strike="noStrike" cap="none" normalizeH="0" baseline="0" dirty="0">
-              <a:ln>
-                <a:noFill/>
-              </a:ln>
-              <a:solidFill>
-                <a:schemeClr val="tx1"/>
-              </a:solidFill>
-              <a:effectLst/>
-              <a:latin typeface="Arial" panose="020B0604020202020204" pitchFamily="34" charset="0"/>
-            </a:endParaRPr>
-          </a:p>
-        </p:txBody>
-      </p:sp>
-      <p:sp>
-        <p:nvSpPr>
           <p:cNvPr id="11" name="Rectangle 2">
             <a:extLst>
               <a:ext uri="{FF2B5EF4-FFF2-40B4-BE49-F238E27FC236}">
@@ -4164,6 +3549,119 @@
           </a:p>
         </p:txBody>
       </p:sp>
+      <p:sp>
+        <p:nvSpPr>
+          <p:cNvPr id="15" name="TextBox 14">
+            <a:extLst>
+              <a:ext uri="{FF2B5EF4-FFF2-40B4-BE49-F238E27FC236}">
+                <a16:creationId xmlns:a16="http://schemas.microsoft.com/office/drawing/2014/main" id="{DAA6A85E-C3E0-10A3-AF13-19835EAEE021}"/>
+              </a:ext>
+            </a:extLst>
+          </p:cNvPr>
+          <p:cNvSpPr txBox="1"/>
+          <p:nvPr/>
+        </p:nvSpPr>
+        <p:spPr>
+          <a:xfrm>
+            <a:off x="674618" y="5932396"/>
+            <a:ext cx="5497582" cy="369332"/>
+          </a:xfrm>
+          <a:prstGeom prst="rect">
+            <a:avLst/>
+          </a:prstGeom>
+          <a:noFill/>
+        </p:spPr>
+        <p:txBody>
+          <a:bodyPr wrap="square">
+            <a:spAutoFit/>
+          </a:bodyPr>
+          <a:lstStyle/>
+          <a:p>
+            <a:r>
+              <a:rPr lang="en-IN" dirty="0">
+                <a:hlinkClick r:id="rId3"/>
+              </a:rPr>
+              <a:t>Demo Link</a:t>
+            </a:r>
+            <a:r>
+              <a:rPr lang="en-IN" dirty="0"/>
+              <a:t>://github.com/0xHarrix/TNSDC-Generative-AI</a:t>
+            </a:r>
+          </a:p>
+        </p:txBody>
+      </p:sp>
+      <p:pic>
+        <p:nvPicPr>
+          <p:cNvPr id="21" name="Picture 20">
+            <a:extLst>
+              <a:ext uri="{FF2B5EF4-FFF2-40B4-BE49-F238E27FC236}">
+                <a16:creationId xmlns:a16="http://schemas.microsoft.com/office/drawing/2014/main" id="{42A6CFA8-B1AC-0ABE-2CFE-E9CA2890C129}"/>
+              </a:ext>
+            </a:extLst>
+          </p:cNvPr>
+          <p:cNvPicPr>
+            <a:picLocks noChangeAspect="1"/>
+          </p:cNvPicPr>
+          <p:nvPr/>
+        </p:nvPicPr>
+        <p:blipFill>
+          <a:blip r:embed="rId4">
+            <a:extLst>
+              <a:ext uri="{28A0092B-C50C-407E-A947-70E740481C1C}">
+                <a14:useLocalDpi xmlns:a14="http://schemas.microsoft.com/office/drawing/2010/main" val="0"/>
+              </a:ext>
+            </a:extLst>
+          </a:blip>
+          <a:stretch>
+            <a:fillRect/>
+          </a:stretch>
+        </p:blipFill>
+        <p:spPr>
+          <a:xfrm>
+            <a:off x="752475" y="2590800"/>
+            <a:ext cx="5820624" cy="2410045"/>
+          </a:xfrm>
+          <a:prstGeom prst="rect">
+            <a:avLst/>
+          </a:prstGeom>
+        </p:spPr>
+      </p:pic>
+      <p:pic>
+        <p:nvPicPr>
+          <p:cNvPr id="23" name="Picture 22">
+            <a:extLst>
+              <a:ext uri="{FF2B5EF4-FFF2-40B4-BE49-F238E27FC236}">
+                <a16:creationId xmlns:a16="http://schemas.microsoft.com/office/drawing/2014/main" id="{4BEDF5D7-09A0-999B-9DC0-95FB591E2807}"/>
+              </a:ext>
+            </a:extLst>
+          </p:cNvPr>
+          <p:cNvPicPr>
+            <a:picLocks noChangeAspect="1"/>
+          </p:cNvPicPr>
+          <p:nvPr/>
+        </p:nvPicPr>
+        <p:blipFill>
+          <a:blip r:embed="rId5">
+            <a:extLst>
+              <a:ext uri="{28A0092B-C50C-407E-A947-70E740481C1C}">
+                <a14:useLocalDpi xmlns:a14="http://schemas.microsoft.com/office/drawing/2010/main" val="0"/>
+              </a:ext>
+            </a:extLst>
+          </a:blip>
+          <a:stretch>
+            <a:fillRect/>
+          </a:stretch>
+        </p:blipFill>
+        <p:spPr>
+          <a:xfrm>
+            <a:off x="6696075" y="969184"/>
+            <a:ext cx="4845586" cy="4953000"/>
+          </a:xfrm>
+          <a:prstGeom prst="rect">
+            <a:avLst/>
+          </a:prstGeom>
+        </p:spPr>
+      </p:pic>
     </p:spTree>
   </p:cSld>
   <p:clrMapOvr>
